--- a/06. Principios SOLID - ISP.pptx
+++ b/06. Principios SOLID - ISP.pptx
@@ -141,7 +141,7 @@
       </p14:sectionLst>
     </p:ext>
     <p:ext uri="{EFAFB233-063F-42B5-8137-9DF3F51BA10A}">
-      <p15:sldGuideLst xmlns:p15="http://schemas.microsoft.com/office/powerpoint/2012/main" xmlns="">
+      <p15:sldGuideLst xmlns="" xmlns:p15="http://schemas.microsoft.com/office/powerpoint/2012/main">
         <p15:guide id="1" orient="horz" pos="2160">
           <p15:clr>
             <a:srgbClr val="A4A3A4"/>
@@ -240,7 +240,7 @@
           <a:p>
             <a:fld id="{1B113009-E86D-4EAD-B57C-C146F81250E7}" type="datetimeFigureOut">
               <a:rPr lang="es-AR" smtClean="0"/>
-              <a:t>3/4/15</a:t>
+              <a:t>13/04/15</a:t>
             </a:fld>
             <a:endParaRPr lang="es-AR"/>
           </a:p>
@@ -407,7 +407,7 @@
           <a:p>
             <a:fld id="{052CBB1C-CCF2-4176-B982-0B59C5DF6987}" type="datetimeFigureOut">
               <a:rPr lang="es-ES"/>
-              <a:t>3/4/15</a:t>
+              <a:t>13/04/15</a:t>
             </a:fld>
             <a:endParaRPr lang="es-ES"/>
           </a:p>
@@ -1055,331 +1055,6 @@
           <a:bodyPr/>
           <a:lstStyle/>
           <a:p>
-            <a:r>
-              <a:rPr lang="es-ES" sz="1200" b="0" i="0" u="none" strike="noStrike" kern="1200" baseline="0" dirty="0" smtClean="0">
-                <a:solidFill>
-                  <a:schemeClr val="tx1"/>
-                </a:solidFill>
-                <a:latin typeface="+mn-lt"/>
-                <a:ea typeface="+mn-ea"/>
-                <a:cs typeface="+mn-cs"/>
-              </a:rPr>
-              <a:t>Ac· un problema por posible violación del LSP, y </a:t>
-            </a:r>
-            <a:r>
-              <a:rPr lang="es-ES" sz="1200" b="0" i="0" u="none" strike="noStrike" kern="1200" baseline="0" dirty="0" err="1" smtClean="0">
-                <a:solidFill>
-                  <a:schemeClr val="tx1"/>
-                </a:solidFill>
-                <a:latin typeface="+mn-lt"/>
-                <a:ea typeface="+mn-ea"/>
-                <a:cs typeface="+mn-cs"/>
-              </a:rPr>
-              <a:t>ademas</a:t>
-            </a:r>
-            <a:r>
-              <a:rPr lang="es-ES" sz="1200" b="0" i="0" u="none" strike="noStrike" kern="1200" baseline="0" dirty="0" smtClean="0">
-                <a:solidFill>
-                  <a:schemeClr val="tx1"/>
-                </a:solidFill>
-                <a:latin typeface="+mn-lt"/>
-                <a:ea typeface="+mn-ea"/>
-                <a:cs typeface="+mn-cs"/>
-              </a:rPr>
-              <a:t> las derivadas de la interfaz puerta deben importar la </a:t>
-            </a:r>
-            <a:r>
-              <a:rPr lang="es-ES" sz="1200" b="0" i="0" u="none" strike="noStrike" kern="1200" baseline="0" dirty="0" err="1" smtClean="0">
-                <a:solidFill>
-                  <a:schemeClr val="tx1"/>
-                </a:solidFill>
-                <a:latin typeface="+mn-lt"/>
-                <a:ea typeface="+mn-ea"/>
-                <a:cs typeface="+mn-cs"/>
-              </a:rPr>
-              <a:t>definiciÛn</a:t>
-            </a:r>
-            <a:r>
-              <a:rPr lang="es-ES" sz="1200" b="0" i="0" u="none" strike="noStrike" kern="1200" baseline="0" dirty="0" smtClean="0">
-                <a:solidFill>
-                  <a:schemeClr val="tx1"/>
-                </a:solidFill>
-                <a:latin typeface="+mn-lt"/>
-                <a:ea typeface="+mn-ea"/>
-                <a:cs typeface="+mn-cs"/>
-              </a:rPr>
-              <a:t> de </a:t>
-            </a:r>
-            <a:r>
-              <a:rPr lang="es-ES" sz="1200" b="0" i="0" u="none" strike="noStrike" kern="1200" baseline="0" dirty="0" err="1" smtClean="0">
-                <a:solidFill>
-                  <a:schemeClr val="tx1"/>
-                </a:solidFill>
-                <a:latin typeface="+mn-lt"/>
-                <a:ea typeface="+mn-ea"/>
-                <a:cs typeface="+mn-cs"/>
-              </a:rPr>
-              <a:t>ClienteTemporizador</a:t>
-            </a:r>
-            <a:r>
-              <a:rPr lang="es-ES" sz="1200" b="0" i="0" u="none" strike="noStrike" kern="1200" baseline="0" dirty="0" smtClean="0">
-                <a:solidFill>
-                  <a:schemeClr val="tx1"/>
-                </a:solidFill>
-                <a:latin typeface="+mn-lt"/>
-                <a:ea typeface="+mn-ea"/>
-                <a:cs typeface="+mn-cs"/>
-              </a:rPr>
-              <a:t> aunque no lo usen.</a:t>
-            </a:r>
-          </a:p>
-          <a:p>
-            <a:pPr rtl="0"/>
-            <a:endParaRPr lang="es-ES" sz="1200" b="0" i="0" u="none" strike="noStrike" kern="1200" baseline="0" dirty="0" smtClean="0">
-              <a:solidFill>
-                <a:schemeClr val="tx1"/>
-              </a:solidFill>
-              <a:latin typeface="+mn-lt"/>
-              <a:ea typeface="+mn-ea"/>
-              <a:cs typeface="+mn-cs"/>
-            </a:endParaRPr>
-          </a:p>
-          <a:p>
-            <a:pPr rtl="0"/>
-            <a:r>
-              <a:rPr lang="es-ES" sz="1200" b="0" i="0" u="none" strike="noStrike" kern="1200" baseline="0" dirty="0" smtClean="0">
-                <a:solidFill>
-                  <a:schemeClr val="tx1"/>
-                </a:solidFill>
-                <a:latin typeface="+mn-lt"/>
-                <a:ea typeface="+mn-ea"/>
-                <a:cs typeface="+mn-cs"/>
-              </a:rPr>
-              <a:t>La interfaz Puerta ha sido contaminada con un método que no requiere. Se ha visto obligada a incorporar este </a:t>
-            </a:r>
-            <a:r>
-              <a:rPr lang="es-ES" sz="1200" b="0" i="0" u="none" strike="noStrike" kern="1200" baseline="0" dirty="0" err="1" smtClean="0">
-                <a:solidFill>
-                  <a:schemeClr val="tx1"/>
-                </a:solidFill>
-                <a:latin typeface="+mn-lt"/>
-                <a:ea typeface="+mn-ea"/>
-                <a:cs typeface="+mn-cs"/>
-              </a:rPr>
-              <a:t>mÈtodo</a:t>
-            </a:r>
-            <a:r>
-              <a:rPr lang="es-ES" sz="1200" b="0" i="0" u="none" strike="noStrike" kern="1200" baseline="0" dirty="0" smtClean="0">
-                <a:solidFill>
-                  <a:schemeClr val="tx1"/>
-                </a:solidFill>
-                <a:latin typeface="+mn-lt"/>
-                <a:ea typeface="+mn-ea"/>
-                <a:cs typeface="+mn-cs"/>
-              </a:rPr>
-              <a:t> ˙nicamente para el beneficio de una de sus subclases. Si esta </a:t>
-            </a:r>
-            <a:r>
-              <a:rPr lang="es-ES" sz="1200" b="0" i="0" u="none" strike="noStrike" kern="1200" baseline="0" dirty="0" err="1" smtClean="0">
-                <a:solidFill>
-                  <a:schemeClr val="tx1"/>
-                </a:solidFill>
-                <a:latin typeface="+mn-lt"/>
-                <a:ea typeface="+mn-ea"/>
-                <a:cs typeface="+mn-cs"/>
-              </a:rPr>
-              <a:t>pr·ctica</a:t>
-            </a:r>
-            <a:r>
-              <a:rPr lang="es-ES" sz="1200" b="0" i="0" u="none" strike="noStrike" kern="1200" baseline="0" dirty="0" smtClean="0">
-                <a:solidFill>
-                  <a:schemeClr val="tx1"/>
-                </a:solidFill>
-                <a:latin typeface="+mn-lt"/>
-                <a:ea typeface="+mn-ea"/>
-                <a:cs typeface="+mn-cs"/>
-              </a:rPr>
-              <a:t> se lleva a cabo, cada vez que una derivada necesita de un nuevo </a:t>
-            </a:r>
-            <a:r>
-              <a:rPr lang="es-ES" sz="1200" b="0" i="0" u="none" strike="noStrike" kern="1200" baseline="0" dirty="0" err="1" smtClean="0">
-                <a:solidFill>
-                  <a:schemeClr val="tx1"/>
-                </a:solidFill>
-                <a:latin typeface="+mn-lt"/>
-                <a:ea typeface="+mn-ea"/>
-                <a:cs typeface="+mn-cs"/>
-              </a:rPr>
-              <a:t>mÈtodo</a:t>
-            </a:r>
-            <a:r>
-              <a:rPr lang="es-ES" sz="1200" b="0" i="0" u="none" strike="noStrike" kern="1200" baseline="0" dirty="0" smtClean="0">
-                <a:solidFill>
-                  <a:schemeClr val="tx1"/>
-                </a:solidFill>
-                <a:latin typeface="+mn-lt"/>
-                <a:ea typeface="+mn-ea"/>
-                <a:cs typeface="+mn-cs"/>
-              </a:rPr>
-              <a:t>, el </a:t>
-            </a:r>
-            <a:r>
-              <a:rPr lang="es-ES" sz="1200" b="0" i="0" u="none" strike="noStrike" kern="1200" baseline="0" dirty="0" err="1" smtClean="0">
-                <a:solidFill>
-                  <a:schemeClr val="tx1"/>
-                </a:solidFill>
-                <a:latin typeface="+mn-lt"/>
-                <a:ea typeface="+mn-ea"/>
-                <a:cs typeface="+mn-cs"/>
-              </a:rPr>
-              <a:t>mÈtodo</a:t>
-            </a:r>
-            <a:r>
-              <a:rPr lang="es-ES" sz="1200" b="0" i="0" u="none" strike="noStrike" kern="1200" baseline="0" dirty="0" smtClean="0">
-                <a:solidFill>
-                  <a:schemeClr val="tx1"/>
-                </a:solidFill>
-                <a:latin typeface="+mn-lt"/>
-                <a:ea typeface="+mn-ea"/>
-                <a:cs typeface="+mn-cs"/>
-              </a:rPr>
-              <a:t> ser· agregado a la clase base. Esto va a contaminar </a:t>
-            </a:r>
-            <a:r>
-              <a:rPr lang="es-ES" sz="1200" b="0" i="0" u="none" strike="noStrike" kern="1200" baseline="0" dirty="0" err="1" smtClean="0">
-                <a:solidFill>
-                  <a:schemeClr val="tx1"/>
-                </a:solidFill>
-                <a:latin typeface="+mn-lt"/>
-                <a:ea typeface="+mn-ea"/>
-                <a:cs typeface="+mn-cs"/>
-              </a:rPr>
-              <a:t>a˙n</a:t>
-            </a:r>
-            <a:r>
-              <a:rPr lang="es-ES" sz="1200" b="0" i="0" u="none" strike="noStrike" kern="1200" baseline="0" dirty="0" smtClean="0">
-                <a:solidFill>
-                  <a:schemeClr val="tx1"/>
-                </a:solidFill>
-                <a:latin typeface="+mn-lt"/>
-                <a:ea typeface="+mn-ea"/>
-                <a:cs typeface="+mn-cs"/>
-              </a:rPr>
-              <a:t> </a:t>
-            </a:r>
-            <a:r>
-              <a:rPr lang="es-ES" sz="1200" b="0" i="0" u="none" strike="noStrike" kern="1200" baseline="0" dirty="0" err="1" smtClean="0">
-                <a:solidFill>
-                  <a:schemeClr val="tx1"/>
-                </a:solidFill>
-                <a:latin typeface="+mn-lt"/>
-                <a:ea typeface="+mn-ea"/>
-                <a:cs typeface="+mn-cs"/>
-              </a:rPr>
-              <a:t>m·s</a:t>
-            </a:r>
-            <a:r>
-              <a:rPr lang="es-ES" sz="1200" b="0" i="0" u="none" strike="noStrike" kern="1200" baseline="0" dirty="0" smtClean="0">
-                <a:solidFill>
-                  <a:schemeClr val="tx1"/>
-                </a:solidFill>
-                <a:latin typeface="+mn-lt"/>
-                <a:ea typeface="+mn-ea"/>
-                <a:cs typeface="+mn-cs"/>
-              </a:rPr>
-              <a:t> la interfaz de la clase base, </a:t>
-            </a:r>
-            <a:r>
-              <a:rPr lang="es-ES" sz="1200" b="0" i="0" u="none" strike="noStrike" kern="1200" baseline="0" dirty="0" err="1" smtClean="0">
-                <a:solidFill>
-                  <a:schemeClr val="tx1"/>
-                </a:solidFill>
-                <a:latin typeface="+mn-lt"/>
-                <a:ea typeface="+mn-ea"/>
-                <a:cs typeface="+mn-cs"/>
-              </a:rPr>
-              <a:t>haciendola</a:t>
-            </a:r>
-            <a:r>
-              <a:rPr lang="es-ES" sz="1200" b="0" i="0" u="none" strike="noStrike" kern="1200" baseline="0" dirty="0" smtClean="0">
-                <a:solidFill>
-                  <a:schemeClr val="tx1"/>
-                </a:solidFill>
-                <a:latin typeface="+mn-lt"/>
-                <a:ea typeface="+mn-ea"/>
-                <a:cs typeface="+mn-cs"/>
-              </a:rPr>
-              <a:t> cada vez </a:t>
-            </a:r>
-            <a:r>
-              <a:rPr lang="es-ES" sz="1200" b="0" i="0" u="none" strike="noStrike" kern="1200" baseline="0" dirty="0" err="1" smtClean="0">
-                <a:solidFill>
-                  <a:schemeClr val="tx1"/>
-                </a:solidFill>
-                <a:latin typeface="+mn-lt"/>
-                <a:ea typeface="+mn-ea"/>
-                <a:cs typeface="+mn-cs"/>
-              </a:rPr>
-              <a:t>m·s</a:t>
-            </a:r>
-            <a:r>
-              <a:rPr lang="es-ES" sz="1200" b="0" i="0" u="none" strike="noStrike" kern="1200" baseline="0" dirty="0" smtClean="0">
-                <a:solidFill>
-                  <a:schemeClr val="tx1"/>
-                </a:solidFill>
-                <a:latin typeface="+mn-lt"/>
-                <a:ea typeface="+mn-ea"/>
-                <a:cs typeface="+mn-cs"/>
-              </a:rPr>
-              <a:t> gorda.</a:t>
-            </a:r>
-          </a:p>
-          <a:p>
-            <a:pPr rtl="0"/>
-            <a:endParaRPr lang="es-ES" sz="1200" b="0" i="0" u="none" strike="noStrike" kern="1200" baseline="0" dirty="0" smtClean="0">
-              <a:solidFill>
-                <a:schemeClr val="tx1"/>
-              </a:solidFill>
-              <a:latin typeface="+mn-lt"/>
-              <a:ea typeface="+mn-ea"/>
-              <a:cs typeface="+mn-cs"/>
-            </a:endParaRPr>
-          </a:p>
-          <a:p>
-            <a:pPr rtl="0"/>
-            <a:r>
-              <a:rPr lang="es-ES" sz="1200" b="0" i="0" u="none" strike="noStrike" kern="1200" baseline="0" dirty="0" smtClean="0">
-                <a:solidFill>
-                  <a:schemeClr val="tx1"/>
-                </a:solidFill>
-                <a:latin typeface="+mn-lt"/>
-                <a:ea typeface="+mn-ea"/>
-                <a:cs typeface="+mn-cs"/>
-              </a:rPr>
-              <a:t>Que pasa, si agrego una nuevo </a:t>
-            </a:r>
-            <a:r>
-              <a:rPr lang="es-ES" sz="1200" b="0" i="0" u="none" strike="noStrike" kern="1200" baseline="0" dirty="0" err="1" smtClean="0">
-                <a:solidFill>
-                  <a:schemeClr val="tx1"/>
-                </a:solidFill>
-                <a:latin typeface="+mn-lt"/>
-                <a:ea typeface="+mn-ea"/>
-                <a:cs typeface="+mn-cs"/>
-              </a:rPr>
-              <a:t>mÈtodo</a:t>
-            </a:r>
-            <a:r>
-              <a:rPr lang="es-ES" sz="1200" b="0" i="0" u="none" strike="noStrike" kern="1200" baseline="0" dirty="0" smtClean="0">
-                <a:solidFill>
-                  <a:schemeClr val="tx1"/>
-                </a:solidFill>
-                <a:latin typeface="+mn-lt"/>
-                <a:ea typeface="+mn-ea"/>
-                <a:cs typeface="+mn-cs"/>
-              </a:rPr>
-              <a:t> a la clase base?</a:t>
-            </a:r>
             <a:endParaRPr lang="es-ES" dirty="0"/>
           </a:p>
         </p:txBody>
@@ -3400,7 +3075,7 @@
           <a:p>
             <a:fld id="{CEE6D46A-ACBC-1344-8EDC-B31378803F45}" type="datetime1">
               <a:rPr lang="es-AR" smtClean="0"/>
-              <a:t>3/4/15</a:t>
+              <a:t>13/04/15</a:t>
             </a:fld>
             <a:endParaRPr lang="es-ES"/>
           </a:p>
@@ -3591,7 +3266,7 @@
           <a:p>
             <a:fld id="{95940A6E-6300-1E44-841B-C419FD01F3DF}" type="datetime1">
               <a:rPr lang="es-AR" smtClean="0"/>
-              <a:t>3/4/15</a:t>
+              <a:t>13/04/15</a:t>
             </a:fld>
             <a:endParaRPr lang="es-ES"/>
           </a:p>
@@ -3752,7 +3427,7 @@
           <a:p>
             <a:fld id="{9804C176-D5FB-7944-BFC7-C1DDC03D1B78}" type="datetime1">
               <a:rPr lang="es-AR" smtClean="0"/>
-              <a:t>3/4/15</a:t>
+              <a:t>13/04/15</a:t>
             </a:fld>
             <a:endParaRPr lang="es-ES"/>
           </a:p>
@@ -5588,7 +5263,7 @@
           <a:p>
             <a:fld id="{9B2984F2-4FC7-594E-BA41-1811613A3583}" type="datetime1">
               <a:rPr lang="es-AR" smtClean="0"/>
-              <a:t>3/4/15</a:t>
+              <a:t>13/04/15</a:t>
             </a:fld>
             <a:endParaRPr lang="es-ES"/>
           </a:p>
@@ -7468,7 +7143,7 @@
           <a:p>
             <a:fld id="{3066D4BC-6F4B-084D-AA99-57D3A5573AA6}" type="datetime1">
               <a:rPr lang="es-AR" smtClean="0"/>
-              <a:t>3/4/15</a:t>
+              <a:t>13/04/15</a:t>
             </a:fld>
             <a:endParaRPr lang="es-ES"/>
           </a:p>
@@ -7591,7 +7266,7 @@
           <a:p>
             <a:fld id="{4AB57358-3293-4C44-B6C7-8F5DDEACF736}" type="datetime1">
               <a:rPr lang="es-AR" smtClean="0"/>
-              <a:t>3/4/15</a:t>
+              <a:t>13/04/15</a:t>
             </a:fld>
             <a:endParaRPr lang="es-ES"/>
           </a:p>
@@ -8142,7 +7817,7 @@
           <a:p>
             <a:fld id="{AA5AC81B-A936-7C48-9B2C-C1B8980EE7F0}" type="datetime1">
               <a:rPr lang="es-AR" smtClean="0"/>
-              <a:t>3/4/15</a:t>
+              <a:t>13/04/15</a:t>
             </a:fld>
             <a:endParaRPr lang="es-ES"/>
           </a:p>
@@ -8265,7 +7940,7 @@
           <a:p>
             <a:fld id="{8CEF06DC-0D94-6A45-824B-1E73CC868B98}" type="datetime1">
               <a:rPr lang="es-AR" smtClean="0"/>
-              <a:t>3/4/15</a:t>
+              <a:t>13/04/15</a:t>
             </a:fld>
             <a:endParaRPr lang="es-ES"/>
           </a:p>
@@ -9986,7 +9661,7 @@
           <a:p>
             <a:fld id="{26274A11-BD59-D149-9818-A21C9A6DE2EC}" type="datetime1">
               <a:rPr lang="es-AR" smtClean="0"/>
-              <a:t>3/4/15</a:t>
+              <a:t>13/04/15</a:t>
             </a:fld>
             <a:endParaRPr lang="es-ES"/>
           </a:p>
@@ -10147,7 +9822,7 @@
           <a:p>
             <a:fld id="{3D0EE4ED-6B1E-E34E-8D02-D61328DDB4E1}" type="datetime1">
               <a:rPr lang="es-AR" smtClean="0"/>
-              <a:t>3/4/15</a:t>
+              <a:t>13/04/15</a:t>
             </a:fld>
             <a:endParaRPr lang="es-ES"/>
           </a:p>
@@ -13772,7 +13447,7 @@
           <a:p>
             <a:fld id="{F4A42CB3-D240-E44A-BA4B-DCDDE964861E}" type="datetime1">
               <a:rPr lang="es-AR" smtClean="0"/>
-              <a:t>3/4/15</a:t>
+              <a:t>13/04/15</a:t>
             </a:fld>
             <a:endParaRPr lang="es-ES"/>
           </a:p>
@@ -15641,7 +15316,7 @@
           <a:p>
             <a:fld id="{BDCFDD47-6C2F-A745-AE3D-51ECAE7AA51F}" type="datetime1">
               <a:rPr lang="es-AR" smtClean="0"/>
-              <a:t>3/4/15</a:t>
+              <a:t>13/04/15</a:t>
             </a:fld>
             <a:endParaRPr lang="es-ES"/>
           </a:p>
@@ -16867,6 +16542,13 @@
   <p:clrMapOvr>
     <a:masterClrMapping/>
   </p:clrMapOvr>
+  <p:timing>
+    <p:tnLst>
+      <p:par>
+        <p:cTn xmlns:p14="http://schemas.microsoft.com/office/powerpoint/2010/main" id="1" dur="indefinite" restart="never" nodeType="tmRoot"/>
+      </p:par>
+    </p:tnLst>
+  </p:timing>
 </p:sld>
 </file>
 
@@ -17036,6 +16718,13 @@
   <p:clrMapOvr>
     <a:masterClrMapping/>
   </p:clrMapOvr>
+  <p:timing>
+    <p:tnLst>
+      <p:par>
+        <p:cTn xmlns:p14="http://schemas.microsoft.com/office/powerpoint/2010/main" id="1" dur="indefinite" restart="never" nodeType="tmRoot"/>
+      </p:par>
+    </p:tnLst>
+  </p:timing>
 </p:sld>
 </file>
 
@@ -17235,6 +16924,13 @@
   <p:clrMapOvr>
     <a:masterClrMapping/>
   </p:clrMapOvr>
+  <p:timing>
+    <p:tnLst>
+      <p:par>
+        <p:cTn xmlns:p14="http://schemas.microsoft.com/office/powerpoint/2010/main" id="1" dur="indefinite" restart="never" nodeType="tmRoot"/>
+      </p:par>
+    </p:tnLst>
+  </p:timing>
 </p:sld>
 </file>
 
@@ -17387,6 +17083,13 @@
   <p:clrMapOvr>
     <a:masterClrMapping/>
   </p:clrMapOvr>
+  <p:timing>
+    <p:tnLst>
+      <p:par>
+        <p:cTn xmlns:p14="http://schemas.microsoft.com/office/powerpoint/2010/main" id="1" dur="indefinite" restart="never" nodeType="tmRoot"/>
+      </p:par>
+    </p:tnLst>
+  </p:timing>
 </p:sld>
 </file>
 
@@ -17521,6 +17224,13 @@
   <p:clrMapOvr>
     <a:masterClrMapping/>
   </p:clrMapOvr>
+  <p:timing>
+    <p:tnLst>
+      <p:par>
+        <p:cTn xmlns:p14="http://schemas.microsoft.com/office/powerpoint/2010/main" id="1" dur="indefinite" restart="never" nodeType="tmRoot"/>
+      </p:par>
+    </p:tnLst>
+  </p:timing>
 </p:sld>
 </file>
 
@@ -19313,17 +19023,7 @@
                     <a:schemeClr val="tx1"/>
                   </a:solidFill>
                 </a:rPr>
-                <a:t>Comer()</a:t>
-              </a:r>
-            </a:p>
-            <a:p>
-              <a:r>
-                <a:rPr lang="es-ES" sz="1400" dirty="0" smtClean="0">
-                  <a:solidFill>
-                    <a:schemeClr val="tx1"/>
-                  </a:solidFill>
-                </a:rPr>
-                <a:t>Nacer()</a:t>
+                <a:t>Correr()</a:t>
               </a:r>
               <a:endParaRPr lang="es-ES" sz="1400" dirty="0">
                 <a:solidFill>
@@ -19451,17 +19151,7 @@
                     <a:schemeClr val="tx1"/>
                   </a:solidFill>
                 </a:rPr>
-                <a:t>Comer()</a:t>
-              </a:r>
-            </a:p>
-            <a:p>
-              <a:r>
-                <a:rPr lang="es-ES" sz="1400" dirty="0" smtClean="0">
-                  <a:solidFill>
-                    <a:schemeClr val="tx1"/>
-                  </a:solidFill>
-                </a:rPr>
-                <a:t>Nacer()</a:t>
+                <a:t>Nadar()</a:t>
               </a:r>
               <a:endParaRPr lang="es-ES" sz="1400" dirty="0">
                 <a:solidFill>
@@ -19589,17 +19279,7 @@
                     <a:schemeClr val="tx1"/>
                   </a:solidFill>
                 </a:rPr>
-                <a:t>Comer()</a:t>
-              </a:r>
-            </a:p>
-            <a:p>
-              <a:r>
-                <a:rPr lang="es-ES" sz="1400" dirty="0" smtClean="0">
-                  <a:solidFill>
-                    <a:schemeClr val="tx1"/>
-                  </a:solidFill>
-                </a:rPr>
-                <a:t>Nacer()</a:t>
+                <a:t>Volar()</a:t>
               </a:r>
               <a:endParaRPr lang="es-ES" sz="1400" dirty="0">
                 <a:solidFill>
@@ -22660,7 +22340,7 @@
   <a:extraClrSchemeLst/>
   <a:extLst>
     <a:ext uri="{05A4C25C-085E-4340-85A3-A5531E510DB2}">
-      <thm15:themeFamily xmlns:thm15="http://schemas.microsoft.com/office/thememl/2012/main" xmlns="" name="Office Theme" id="{62F939B6-93AF-4DB8-9C6B-D6C7DFDC589F}" vid="{4A3C46E8-61CC-4603-A589-7422A47A8E4A}"/>
+      <thm15:themeFamily xmlns="" xmlns:thm15="http://schemas.microsoft.com/office/thememl/2012/main" name="Office Theme" id="{62F939B6-93AF-4DB8-9C6B-D6C7DFDC589F}" vid="{4A3C46E8-61CC-4603-A589-7422A47A8E4A}"/>
     </a:ext>
   </a:extLst>
 </a:theme>
